--- a/k8s.pptx
+++ b/k8s.pptx
@@ -16,6 +16,12 @@
     <p:sldId id="264" r:id="rId10"/>
     <p:sldId id="265" r:id="rId11"/>
     <p:sldId id="266" r:id="rId12"/>
+    <p:sldId id="267" r:id="rId13"/>
+    <p:sldId id="268" r:id="rId14"/>
+    <p:sldId id="269" r:id="rId15"/>
+    <p:sldId id="270" r:id="rId16"/>
+    <p:sldId id="272" r:id="rId17"/>
+    <p:sldId id="273" r:id="rId18"/>
   </p:sldIdLst>
   <p:sldSz cx="12192000" cy="6858000"/>
   <p:notesSz cx="6858000" cy="9144000"/>
@@ -114,6 +120,11 @@
       </a:defRPr>
     </a:lvl9pPr>
   </p:defaultTextStyle>
+  <p:extLst>
+    <p:ext uri="{EFAFB233-063F-42B5-8137-9DF3F51BA10A}">
+      <p15:sldGuideLst xmlns:p15="http://schemas.microsoft.com/office/powerpoint/2012/main"/>
+    </p:ext>
+  </p:extLst>
 </p:presentation>
 </file>
 
@@ -264,7 +275,7 @@
           <a:p>
             <a:fld id="{F317BA7C-B9AB-4C9A-93D5-EE968D0DFFD9}" type="datetimeFigureOut">
               <a:rPr lang="zh-CN" altLang="en-US" smtClean="0"/>
-              <a:t>2022/12/11</a:t>
+              <a:t>2022/12/14</a:t>
             </a:fld>
             <a:endParaRPr lang="zh-CN" altLang="en-US"/>
           </a:p>
@@ -462,7 +473,7 @@
           <a:p>
             <a:fld id="{F317BA7C-B9AB-4C9A-93D5-EE968D0DFFD9}" type="datetimeFigureOut">
               <a:rPr lang="zh-CN" altLang="en-US" smtClean="0"/>
-              <a:t>2022/12/11</a:t>
+              <a:t>2022/12/14</a:t>
             </a:fld>
             <a:endParaRPr lang="zh-CN" altLang="en-US"/>
           </a:p>
@@ -670,7 +681,7 @@
           <a:p>
             <a:fld id="{F317BA7C-B9AB-4C9A-93D5-EE968D0DFFD9}" type="datetimeFigureOut">
               <a:rPr lang="zh-CN" altLang="en-US" smtClean="0"/>
-              <a:t>2022/12/11</a:t>
+              <a:t>2022/12/14</a:t>
             </a:fld>
             <a:endParaRPr lang="zh-CN" altLang="en-US"/>
           </a:p>
@@ -868,7 +879,7 @@
           <a:p>
             <a:fld id="{F317BA7C-B9AB-4C9A-93D5-EE968D0DFFD9}" type="datetimeFigureOut">
               <a:rPr lang="zh-CN" altLang="en-US" smtClean="0"/>
-              <a:t>2022/12/11</a:t>
+              <a:t>2022/12/14</a:t>
             </a:fld>
             <a:endParaRPr lang="zh-CN" altLang="en-US"/>
           </a:p>
@@ -1143,7 +1154,7 @@
           <a:p>
             <a:fld id="{F317BA7C-B9AB-4C9A-93D5-EE968D0DFFD9}" type="datetimeFigureOut">
               <a:rPr lang="zh-CN" altLang="en-US" smtClean="0"/>
-              <a:t>2022/12/11</a:t>
+              <a:t>2022/12/14</a:t>
             </a:fld>
             <a:endParaRPr lang="zh-CN" altLang="en-US"/>
           </a:p>
@@ -1408,7 +1419,7 @@
           <a:p>
             <a:fld id="{F317BA7C-B9AB-4C9A-93D5-EE968D0DFFD9}" type="datetimeFigureOut">
               <a:rPr lang="zh-CN" altLang="en-US" smtClean="0"/>
-              <a:t>2022/12/11</a:t>
+              <a:t>2022/12/14</a:t>
             </a:fld>
             <a:endParaRPr lang="zh-CN" altLang="en-US"/>
           </a:p>
@@ -1820,7 +1831,7 @@
           <a:p>
             <a:fld id="{F317BA7C-B9AB-4C9A-93D5-EE968D0DFFD9}" type="datetimeFigureOut">
               <a:rPr lang="zh-CN" altLang="en-US" smtClean="0"/>
-              <a:t>2022/12/11</a:t>
+              <a:t>2022/12/14</a:t>
             </a:fld>
             <a:endParaRPr lang="zh-CN" altLang="en-US"/>
           </a:p>
@@ -1961,7 +1972,7 @@
           <a:p>
             <a:fld id="{F317BA7C-B9AB-4C9A-93D5-EE968D0DFFD9}" type="datetimeFigureOut">
               <a:rPr lang="zh-CN" altLang="en-US" smtClean="0"/>
-              <a:t>2022/12/11</a:t>
+              <a:t>2022/12/14</a:t>
             </a:fld>
             <a:endParaRPr lang="zh-CN" altLang="en-US"/>
           </a:p>
@@ -2074,7 +2085,7 @@
           <a:p>
             <a:fld id="{F317BA7C-B9AB-4C9A-93D5-EE968D0DFFD9}" type="datetimeFigureOut">
               <a:rPr lang="zh-CN" altLang="en-US" smtClean="0"/>
-              <a:t>2022/12/11</a:t>
+              <a:t>2022/12/14</a:t>
             </a:fld>
             <a:endParaRPr lang="zh-CN" altLang="en-US"/>
           </a:p>
@@ -2385,7 +2396,7 @@
           <a:p>
             <a:fld id="{F317BA7C-B9AB-4C9A-93D5-EE968D0DFFD9}" type="datetimeFigureOut">
               <a:rPr lang="zh-CN" altLang="en-US" smtClean="0"/>
-              <a:t>2022/12/11</a:t>
+              <a:t>2022/12/14</a:t>
             </a:fld>
             <a:endParaRPr lang="zh-CN" altLang="en-US"/>
           </a:p>
@@ -2673,7 +2684,7 @@
           <a:p>
             <a:fld id="{F317BA7C-B9AB-4C9A-93D5-EE968D0DFFD9}" type="datetimeFigureOut">
               <a:rPr lang="zh-CN" altLang="en-US" smtClean="0"/>
-              <a:t>2022/12/11</a:t>
+              <a:t>2022/12/14</a:t>
             </a:fld>
             <a:endParaRPr lang="zh-CN" altLang="en-US"/>
           </a:p>
@@ -2914,7 +2925,7 @@
           <a:p>
             <a:fld id="{F317BA7C-B9AB-4C9A-93D5-EE968D0DFFD9}" type="datetimeFigureOut">
               <a:rPr lang="zh-CN" altLang="en-US" smtClean="0"/>
-              <a:t>2022/12/11</a:t>
+              <a:t>2022/12/14</a:t>
             </a:fld>
             <a:endParaRPr lang="zh-CN" altLang="en-US"/>
           </a:p>
@@ -3827,6 +3838,1708 @@
 </p:sld>
 </file>
 
+<file path=ppt/slides/slide12.xml><?xml version="1.0" encoding="utf-8"?>
+<p:sld xmlns:a="http://schemas.openxmlformats.org/drawingml/2006/main" xmlns:r="http://schemas.openxmlformats.org/officeDocument/2006/relationships" xmlns:p="http://schemas.openxmlformats.org/presentationml/2006/main">
+  <p:cSld>
+    <p:spTree>
+      <p:nvGrpSpPr>
+        <p:cNvPr id="1" name=""/>
+        <p:cNvGrpSpPr/>
+        <p:nvPr/>
+      </p:nvGrpSpPr>
+      <p:grpSpPr>
+        <a:xfrm>
+          <a:off x="0" y="0"/>
+          <a:ext cx="0" cy="0"/>
+          <a:chOff x="0" y="0"/>
+          <a:chExt cx="0" cy="0"/>
+        </a:xfrm>
+      </p:grpSpPr>
+      <p:sp>
+        <p:nvSpPr>
+          <p:cNvPr id="6" name="文本框 5">
+            <a:extLst>
+              <a:ext uri="{FF2B5EF4-FFF2-40B4-BE49-F238E27FC236}">
+                <a16:creationId xmlns:a16="http://schemas.microsoft.com/office/drawing/2014/main" id="{C2DE759A-3BE5-B30B-C8A2-C2F4A7842F52}"/>
+              </a:ext>
+            </a:extLst>
+          </p:cNvPr>
+          <p:cNvSpPr txBox="1"/>
+          <p:nvPr/>
+        </p:nvSpPr>
+        <p:spPr>
+          <a:xfrm>
+            <a:off x="643813" y="288085"/>
+            <a:ext cx="6096000" cy="369332"/>
+          </a:xfrm>
+          <a:prstGeom prst="rect">
+            <a:avLst/>
+          </a:prstGeom>
+          <a:noFill/>
+        </p:spPr>
+        <p:txBody>
+          <a:bodyPr wrap="square">
+            <a:spAutoFit/>
+          </a:bodyPr>
+          <a:lstStyle/>
+          <a:p>
+            <a:r>
+              <a:rPr lang="en-US" altLang="zh-CN" dirty="0"/>
+              <a:t>pod</a:t>
+            </a:r>
+            <a:r>
+              <a:rPr lang="zh-CN" altLang="en-US" dirty="0"/>
+              <a:t>的探针</a:t>
+            </a:r>
+            <a:endParaRPr lang="en-US" altLang="zh-CN" dirty="0"/>
+          </a:p>
+        </p:txBody>
+      </p:sp>
+      <p:sp>
+        <p:nvSpPr>
+          <p:cNvPr id="3" name="文本框 2">
+            <a:extLst>
+              <a:ext uri="{FF2B5EF4-FFF2-40B4-BE49-F238E27FC236}">
+                <a16:creationId xmlns:a16="http://schemas.microsoft.com/office/drawing/2014/main" id="{82C7C64D-3322-09CF-7011-3FCDD36067A6}"/>
+              </a:ext>
+            </a:extLst>
+          </p:cNvPr>
+          <p:cNvSpPr txBox="1"/>
+          <p:nvPr/>
+        </p:nvSpPr>
+        <p:spPr>
+          <a:xfrm>
+            <a:off x="718458" y="941925"/>
+            <a:ext cx="8238930" cy="646331"/>
+          </a:xfrm>
+          <a:prstGeom prst="rect">
+            <a:avLst/>
+          </a:prstGeom>
+          <a:noFill/>
+        </p:spPr>
+        <p:txBody>
+          <a:bodyPr wrap="square">
+            <a:spAutoFit/>
+          </a:bodyPr>
+          <a:lstStyle/>
+          <a:p>
+            <a:r>
+              <a:rPr lang="zh-CN" altLang="en-US" dirty="0"/>
+              <a:t>如果容器的主进程崩溃，</a:t>
+            </a:r>
+            <a:r>
+              <a:rPr lang="en-US" altLang="zh-CN" dirty="0" err="1"/>
+              <a:t>Kubelet</a:t>
+            </a:r>
+            <a:r>
+              <a:rPr lang="en-US" altLang="zh-CN" dirty="0"/>
+              <a:t> </a:t>
+            </a:r>
+            <a:r>
+              <a:rPr lang="zh-CN" altLang="en-US" dirty="0"/>
+              <a:t>将重启容器，即使进程没有崩溃，有时应用程序也会停止正常工作。</a:t>
+            </a:r>
+          </a:p>
+        </p:txBody>
+      </p:sp>
+      <p:sp>
+        <p:nvSpPr>
+          <p:cNvPr id="4" name="文本框 3">
+            <a:extLst>
+              <a:ext uri="{FF2B5EF4-FFF2-40B4-BE49-F238E27FC236}">
+                <a16:creationId xmlns:a16="http://schemas.microsoft.com/office/drawing/2014/main" id="{83CC43FB-756E-9651-852F-885A3441A512}"/>
+              </a:ext>
+            </a:extLst>
+          </p:cNvPr>
+          <p:cNvSpPr txBox="1"/>
+          <p:nvPr/>
+        </p:nvSpPr>
+        <p:spPr>
+          <a:xfrm>
+            <a:off x="718458" y="1895461"/>
+            <a:ext cx="10933792" cy="923330"/>
+          </a:xfrm>
+          <a:prstGeom prst="rect">
+            <a:avLst/>
+          </a:prstGeom>
+          <a:noFill/>
+        </p:spPr>
+        <p:txBody>
+          <a:bodyPr wrap="square">
+            <a:spAutoFit/>
+          </a:bodyPr>
+          <a:lstStyle/>
+          <a:p>
+            <a:r>
+              <a:rPr lang="zh-CN" altLang="en-US" dirty="0"/>
+              <a:t>存活探针 </a:t>
+            </a:r>
+            <a:r>
+              <a:rPr lang="en-US" altLang="zh-CN" dirty="0" err="1"/>
+              <a:t>livenessProbe</a:t>
+            </a:r>
+            <a:r>
+              <a:rPr lang="zh-CN" altLang="en-US" dirty="0"/>
+              <a:t>：不满足则重启容器</a:t>
+            </a:r>
+            <a:endParaRPr lang="en-US" altLang="zh-CN" dirty="0"/>
+          </a:p>
+          <a:p>
+            <a:r>
+              <a:rPr lang="zh-CN" altLang="en-US" dirty="0"/>
+              <a:t>就绪探针 </a:t>
+            </a:r>
+            <a:r>
+              <a:rPr lang="en-US" altLang="zh-CN" dirty="0" err="1"/>
+              <a:t>readinessProbe</a:t>
+            </a:r>
+            <a:r>
+              <a:rPr lang="zh-CN" altLang="en-US" dirty="0"/>
+              <a:t>：不满足则使容器无法被访问</a:t>
+            </a:r>
+          </a:p>
+          <a:p>
+            <a:r>
+              <a:rPr lang="zh-CN" altLang="en-US" dirty="0"/>
+              <a:t>启动探针 </a:t>
+            </a:r>
+            <a:r>
+              <a:rPr lang="en-US" altLang="zh-CN" dirty="0" err="1"/>
+              <a:t>startupProbe</a:t>
+            </a:r>
+            <a:r>
+              <a:rPr lang="zh-CN" altLang="en-US" dirty="0"/>
+              <a:t>：不满足则重启容器，先执行该探针并暂时禁用其它两个探针，只需满足一次探测</a:t>
+            </a:r>
+          </a:p>
+        </p:txBody>
+      </p:sp>
+      <p:sp>
+        <p:nvSpPr>
+          <p:cNvPr id="7" name="文本框 6">
+            <a:extLst>
+              <a:ext uri="{FF2B5EF4-FFF2-40B4-BE49-F238E27FC236}">
+                <a16:creationId xmlns:a16="http://schemas.microsoft.com/office/drawing/2014/main" id="{AD4BE38C-8AD8-5C3C-90C2-926437E9390E}"/>
+              </a:ext>
+            </a:extLst>
+          </p:cNvPr>
+          <p:cNvSpPr txBox="1"/>
+          <p:nvPr/>
+        </p:nvSpPr>
+        <p:spPr>
+          <a:xfrm>
+            <a:off x="718458" y="3081544"/>
+            <a:ext cx="8238930" cy="1200329"/>
+          </a:xfrm>
+          <a:prstGeom prst="rect">
+            <a:avLst/>
+          </a:prstGeom>
+          <a:noFill/>
+        </p:spPr>
+        <p:txBody>
+          <a:bodyPr wrap="square">
+            <a:spAutoFit/>
+          </a:bodyPr>
+          <a:lstStyle/>
+          <a:p>
+            <a:r>
+              <a:rPr lang="zh-CN" altLang="en-US" dirty="0"/>
+              <a:t>探测机制：</a:t>
+            </a:r>
+            <a:endParaRPr lang="en-US" altLang="zh-CN" dirty="0"/>
+          </a:p>
+          <a:p>
+            <a:r>
+              <a:rPr lang="en-US" altLang="zh-CN" dirty="0"/>
+              <a:t>HTTP GET</a:t>
+            </a:r>
+            <a:r>
+              <a:rPr lang="zh-CN" altLang="en-US" dirty="0"/>
+              <a:t>请求</a:t>
+            </a:r>
+            <a:endParaRPr lang="en-US" altLang="zh-CN" dirty="0"/>
+          </a:p>
+          <a:p>
+            <a:r>
+              <a:rPr lang="en-US" altLang="zh-CN" dirty="0"/>
+              <a:t>TCP </a:t>
+            </a:r>
+            <a:r>
+              <a:rPr lang="zh-CN" altLang="en-US" dirty="0"/>
+              <a:t>建立连接</a:t>
+            </a:r>
+            <a:endParaRPr lang="en-US" altLang="zh-CN" dirty="0"/>
+          </a:p>
+          <a:p>
+            <a:r>
+              <a:rPr lang="en-US" altLang="zh-CN" dirty="0"/>
+              <a:t>Exec</a:t>
+            </a:r>
+            <a:r>
+              <a:rPr lang="zh-CN" altLang="en-US" dirty="0"/>
+              <a:t>执行任意命令</a:t>
+            </a:r>
+          </a:p>
+        </p:txBody>
+      </p:sp>
+      <p:sp>
+        <p:nvSpPr>
+          <p:cNvPr id="16" name="文本框 15">
+            <a:extLst>
+              <a:ext uri="{FF2B5EF4-FFF2-40B4-BE49-F238E27FC236}">
+                <a16:creationId xmlns:a16="http://schemas.microsoft.com/office/drawing/2014/main" id="{2ABCEDD1-B967-ACCB-E33F-A7CF2C464794}"/>
+              </a:ext>
+            </a:extLst>
+          </p:cNvPr>
+          <p:cNvSpPr txBox="1"/>
+          <p:nvPr/>
+        </p:nvSpPr>
+        <p:spPr>
+          <a:xfrm>
+            <a:off x="4710113" y="2818791"/>
+            <a:ext cx="5678487" cy="3785652"/>
+          </a:xfrm>
+          <a:prstGeom prst="rect">
+            <a:avLst/>
+          </a:prstGeom>
+          <a:noFill/>
+        </p:spPr>
+        <p:txBody>
+          <a:bodyPr wrap="square">
+            <a:spAutoFit/>
+          </a:bodyPr>
+          <a:lstStyle/>
+          <a:p>
+            <a:r>
+              <a:rPr lang="en-US" altLang="zh-CN" sz="1600" dirty="0" err="1"/>
+              <a:t>livenessProbe</a:t>
+            </a:r>
+            <a:r>
+              <a:rPr lang="en-US" altLang="zh-CN" sz="1600" dirty="0"/>
+              <a:t>:</a:t>
+            </a:r>
+          </a:p>
+          <a:p>
+            <a:r>
+              <a:rPr lang="en-US" altLang="zh-CN" sz="1600" dirty="0"/>
+              <a:t>  </a:t>
+            </a:r>
+            <a:r>
+              <a:rPr lang="en-US" altLang="zh-CN" sz="1600" dirty="0" err="1"/>
+              <a:t>httpGet</a:t>
+            </a:r>
+            <a:r>
+              <a:rPr lang="en-US" altLang="zh-CN" sz="1600" dirty="0"/>
+              <a:t>:</a:t>
+            </a:r>
+          </a:p>
+          <a:p>
+            <a:r>
+              <a:rPr lang="en-US" altLang="zh-CN" sz="1600" dirty="0"/>
+              <a:t>    path: /test</a:t>
+            </a:r>
+          </a:p>
+          <a:p>
+            <a:r>
+              <a:rPr lang="en-US" altLang="zh-CN" sz="1600" dirty="0"/>
+              <a:t>    </a:t>
+            </a:r>
+            <a:r>
+              <a:rPr lang="en-US" altLang="zh-CN" sz="1600" dirty="0" err="1"/>
+              <a:t>prot</a:t>
+            </a:r>
+            <a:r>
+              <a:rPr lang="en-US" altLang="zh-CN" sz="1600" dirty="0"/>
+              <a:t>: 80</a:t>
+            </a:r>
+          </a:p>
+          <a:p>
+            <a:r>
+              <a:rPr lang="en-US" altLang="zh-CN" sz="1600" dirty="0"/>
+              <a:t>  </a:t>
+            </a:r>
+            <a:r>
+              <a:rPr lang="en-US" altLang="zh-CN" sz="1600" dirty="0" err="1"/>
+              <a:t>failureThreshold</a:t>
+            </a:r>
+            <a:r>
+              <a:rPr lang="en-US" altLang="zh-CN" sz="1600" dirty="0"/>
+              <a:t>: 1</a:t>
+            </a:r>
+          </a:p>
+          <a:p>
+            <a:r>
+              <a:rPr lang="en-US" altLang="zh-CN" sz="1600" dirty="0"/>
+              <a:t>  </a:t>
+            </a:r>
+            <a:r>
+              <a:rPr lang="en-US" altLang="zh-CN" sz="1600" dirty="0" err="1"/>
+              <a:t>initialDelay</a:t>
+            </a:r>
+            <a:r>
+              <a:rPr lang="zh-CN" altLang="en-US" sz="1600" dirty="0"/>
+              <a:t>：</a:t>
+            </a:r>
+            <a:r>
+              <a:rPr lang="en-US" altLang="zh-CN" sz="1600" dirty="0"/>
+              <a:t>10</a:t>
+            </a:r>
+          </a:p>
+          <a:p>
+            <a:r>
+              <a:rPr lang="en-US" altLang="zh-CN" sz="1600" dirty="0"/>
+              <a:t>  </a:t>
+            </a:r>
+            <a:r>
+              <a:rPr lang="en-US" altLang="zh-CN" sz="1600" dirty="0" err="1"/>
+              <a:t>periodSeconds</a:t>
+            </a:r>
+            <a:r>
+              <a:rPr lang="en-US" altLang="zh-CN" sz="1600" dirty="0"/>
+              <a:t>: 10</a:t>
+            </a:r>
+          </a:p>
+          <a:p>
+            <a:endParaRPr lang="en-US" altLang="zh-CN" sz="1600" dirty="0"/>
+          </a:p>
+          <a:p>
+            <a:r>
+              <a:rPr lang="en-US" altLang="zh-CN" sz="1600" dirty="0" err="1"/>
+              <a:t>startupProbe</a:t>
+            </a:r>
+            <a:r>
+              <a:rPr lang="en-US" altLang="zh-CN" sz="1600" dirty="0"/>
+              <a:t>:</a:t>
+            </a:r>
+          </a:p>
+          <a:p>
+            <a:r>
+              <a:rPr lang="en-US" altLang="zh-CN" sz="1600" dirty="0"/>
+              <a:t>  </a:t>
+            </a:r>
+            <a:r>
+              <a:rPr lang="en-US" altLang="zh-CN" sz="1600" dirty="0" err="1"/>
+              <a:t>httpGet</a:t>
+            </a:r>
+            <a:r>
+              <a:rPr lang="en-US" altLang="zh-CN" sz="1600" dirty="0"/>
+              <a:t>:</a:t>
+            </a:r>
+          </a:p>
+          <a:p>
+            <a:r>
+              <a:rPr lang="en-US" altLang="zh-CN" sz="1600" dirty="0"/>
+              <a:t>    path: /test</a:t>
+            </a:r>
+          </a:p>
+          <a:p>
+            <a:r>
+              <a:rPr lang="en-US" altLang="zh-CN" sz="1600" dirty="0"/>
+              <a:t>    </a:t>
+            </a:r>
+            <a:r>
+              <a:rPr lang="en-US" altLang="zh-CN" sz="1600" dirty="0" err="1"/>
+              <a:t>prot</a:t>
+            </a:r>
+            <a:r>
+              <a:rPr lang="en-US" altLang="zh-CN" sz="1600" dirty="0"/>
+              <a:t>: 80</a:t>
+            </a:r>
+          </a:p>
+          <a:p>
+            <a:r>
+              <a:rPr lang="en-US" altLang="zh-CN" sz="1600" dirty="0"/>
+              <a:t>  </a:t>
+            </a:r>
+            <a:r>
+              <a:rPr lang="en-US" altLang="zh-CN" sz="1600" dirty="0" err="1"/>
+              <a:t>failureThreshold</a:t>
+            </a:r>
+            <a:r>
+              <a:rPr lang="en-US" altLang="zh-CN" sz="1600" dirty="0"/>
+              <a:t>: 10</a:t>
+            </a:r>
+          </a:p>
+          <a:p>
+            <a:r>
+              <a:rPr lang="en-US" altLang="zh-CN" sz="1600" dirty="0"/>
+              <a:t>  </a:t>
+            </a:r>
+            <a:r>
+              <a:rPr lang="en-US" altLang="zh-CN" sz="1600" dirty="0" err="1"/>
+              <a:t>initialDelay</a:t>
+            </a:r>
+            <a:r>
+              <a:rPr lang="zh-CN" altLang="en-US" sz="1600" dirty="0"/>
+              <a:t>：</a:t>
+            </a:r>
+            <a:r>
+              <a:rPr lang="en-US" altLang="zh-CN" sz="1600" dirty="0"/>
+              <a:t>10</a:t>
+            </a:r>
+          </a:p>
+          <a:p>
+            <a:r>
+              <a:rPr lang="en-US" altLang="zh-CN" sz="1600" dirty="0"/>
+              <a:t>  </a:t>
+            </a:r>
+            <a:r>
+              <a:rPr lang="en-US" altLang="zh-CN" sz="1600" dirty="0" err="1"/>
+              <a:t>periodSeconds</a:t>
+            </a:r>
+            <a:r>
+              <a:rPr lang="en-US" altLang="zh-CN" sz="1600" dirty="0"/>
+              <a:t>: 10</a:t>
+            </a:r>
+            <a:endParaRPr lang="zh-CN" altLang="en-US" sz="1600" dirty="0"/>
+          </a:p>
+        </p:txBody>
+      </p:sp>
+    </p:spTree>
+    <p:extLst>
+      <p:ext uri="{BB962C8B-B14F-4D97-AF65-F5344CB8AC3E}">
+        <p14:creationId xmlns:p14="http://schemas.microsoft.com/office/powerpoint/2010/main" val="2744738744"/>
+      </p:ext>
+    </p:extLst>
+  </p:cSld>
+  <p:clrMapOvr>
+    <a:masterClrMapping/>
+  </p:clrMapOvr>
+</p:sld>
+</file>
+
+<file path=ppt/slides/slide13.xml><?xml version="1.0" encoding="utf-8"?>
+<p:sld xmlns:a="http://schemas.openxmlformats.org/drawingml/2006/main" xmlns:r="http://schemas.openxmlformats.org/officeDocument/2006/relationships" xmlns:p="http://schemas.openxmlformats.org/presentationml/2006/main">
+  <p:cSld>
+    <p:spTree>
+      <p:nvGrpSpPr>
+        <p:cNvPr id="1" name=""/>
+        <p:cNvGrpSpPr/>
+        <p:nvPr/>
+      </p:nvGrpSpPr>
+      <p:grpSpPr>
+        <a:xfrm>
+          <a:off x="0" y="0"/>
+          <a:ext cx="0" cy="0"/>
+          <a:chOff x="0" y="0"/>
+          <a:chExt cx="0" cy="0"/>
+        </a:xfrm>
+      </p:grpSpPr>
+      <p:sp>
+        <p:nvSpPr>
+          <p:cNvPr id="6" name="文本框 5">
+            <a:extLst>
+              <a:ext uri="{FF2B5EF4-FFF2-40B4-BE49-F238E27FC236}">
+                <a16:creationId xmlns:a16="http://schemas.microsoft.com/office/drawing/2014/main" id="{C2DE759A-3BE5-B30B-C8A2-C2F4A7842F52}"/>
+              </a:ext>
+            </a:extLst>
+          </p:cNvPr>
+          <p:cNvSpPr txBox="1"/>
+          <p:nvPr/>
+        </p:nvSpPr>
+        <p:spPr>
+          <a:xfrm>
+            <a:off x="643813" y="288085"/>
+            <a:ext cx="6096000" cy="369332"/>
+          </a:xfrm>
+          <a:prstGeom prst="rect">
+            <a:avLst/>
+          </a:prstGeom>
+          <a:noFill/>
+        </p:spPr>
+        <p:txBody>
+          <a:bodyPr wrap="square">
+            <a:spAutoFit/>
+          </a:bodyPr>
+          <a:lstStyle/>
+          <a:p>
+            <a:r>
+              <a:rPr lang="en-US" altLang="zh-CN" dirty="0"/>
+              <a:t>pod</a:t>
+            </a:r>
+            <a:r>
+              <a:rPr lang="zh-CN" altLang="en-US" dirty="0"/>
+              <a:t>的探针</a:t>
+            </a:r>
+            <a:endParaRPr lang="en-US" altLang="zh-CN" dirty="0"/>
+          </a:p>
+        </p:txBody>
+      </p:sp>
+      <p:sp>
+        <p:nvSpPr>
+          <p:cNvPr id="3" name="文本框 2">
+            <a:extLst>
+              <a:ext uri="{FF2B5EF4-FFF2-40B4-BE49-F238E27FC236}">
+                <a16:creationId xmlns:a16="http://schemas.microsoft.com/office/drawing/2014/main" id="{82C7C64D-3322-09CF-7011-3FCDD36067A6}"/>
+              </a:ext>
+            </a:extLst>
+          </p:cNvPr>
+          <p:cNvSpPr txBox="1"/>
+          <p:nvPr/>
+        </p:nvSpPr>
+        <p:spPr>
+          <a:xfrm>
+            <a:off x="718458" y="941925"/>
+            <a:ext cx="8238930" cy="646331"/>
+          </a:xfrm>
+          <a:prstGeom prst="rect">
+            <a:avLst/>
+          </a:prstGeom>
+          <a:noFill/>
+        </p:spPr>
+        <p:txBody>
+          <a:bodyPr wrap="square">
+            <a:spAutoFit/>
+          </a:bodyPr>
+          <a:lstStyle/>
+          <a:p>
+            <a:r>
+              <a:rPr lang="zh-CN" altLang="en-US" dirty="0"/>
+              <a:t>如果容器的主进程崩溃，</a:t>
+            </a:r>
+            <a:r>
+              <a:rPr lang="en-US" altLang="zh-CN" dirty="0" err="1"/>
+              <a:t>Kubelet</a:t>
+            </a:r>
+            <a:r>
+              <a:rPr lang="en-US" altLang="zh-CN" dirty="0"/>
+              <a:t> </a:t>
+            </a:r>
+            <a:r>
+              <a:rPr lang="zh-CN" altLang="en-US" dirty="0"/>
+              <a:t>将重启容器，即使进程没有崩溃，有时应用程序也会停止正常工作。</a:t>
+            </a:r>
+          </a:p>
+        </p:txBody>
+      </p:sp>
+      <p:sp>
+        <p:nvSpPr>
+          <p:cNvPr id="4" name="文本框 3">
+            <a:extLst>
+              <a:ext uri="{FF2B5EF4-FFF2-40B4-BE49-F238E27FC236}">
+                <a16:creationId xmlns:a16="http://schemas.microsoft.com/office/drawing/2014/main" id="{83CC43FB-756E-9651-852F-885A3441A512}"/>
+              </a:ext>
+            </a:extLst>
+          </p:cNvPr>
+          <p:cNvSpPr txBox="1"/>
+          <p:nvPr/>
+        </p:nvSpPr>
+        <p:spPr>
+          <a:xfrm>
+            <a:off x="718458" y="1895461"/>
+            <a:ext cx="10933792" cy="923330"/>
+          </a:xfrm>
+          <a:prstGeom prst="rect">
+            <a:avLst/>
+          </a:prstGeom>
+          <a:noFill/>
+        </p:spPr>
+        <p:txBody>
+          <a:bodyPr wrap="square">
+            <a:spAutoFit/>
+          </a:bodyPr>
+          <a:lstStyle/>
+          <a:p>
+            <a:r>
+              <a:rPr lang="zh-CN" altLang="en-US" dirty="0"/>
+              <a:t>存活探针 </a:t>
+            </a:r>
+            <a:r>
+              <a:rPr lang="en-US" altLang="zh-CN" dirty="0" err="1"/>
+              <a:t>livenessProbe</a:t>
+            </a:r>
+            <a:r>
+              <a:rPr lang="zh-CN" altLang="en-US" dirty="0"/>
+              <a:t>：不满足则重启容器</a:t>
+            </a:r>
+            <a:endParaRPr lang="en-US" altLang="zh-CN" dirty="0"/>
+          </a:p>
+          <a:p>
+            <a:r>
+              <a:rPr lang="zh-CN" altLang="en-US" dirty="0"/>
+              <a:t>就绪探针 </a:t>
+            </a:r>
+            <a:r>
+              <a:rPr lang="en-US" altLang="zh-CN" dirty="0" err="1"/>
+              <a:t>readinessProbe</a:t>
+            </a:r>
+            <a:r>
+              <a:rPr lang="zh-CN" altLang="en-US" dirty="0"/>
+              <a:t>：不满足则使容器无法被访问</a:t>
+            </a:r>
+          </a:p>
+          <a:p>
+            <a:r>
+              <a:rPr lang="zh-CN" altLang="en-US" dirty="0"/>
+              <a:t>启动探针 </a:t>
+            </a:r>
+            <a:r>
+              <a:rPr lang="en-US" altLang="zh-CN" dirty="0" err="1"/>
+              <a:t>startupProbe</a:t>
+            </a:r>
+            <a:r>
+              <a:rPr lang="zh-CN" altLang="en-US" dirty="0"/>
+              <a:t>：不满足则重启容器，先执行该探针并暂时禁用其它两个探针，只需满足一次探测</a:t>
+            </a:r>
+          </a:p>
+        </p:txBody>
+      </p:sp>
+      <p:sp>
+        <p:nvSpPr>
+          <p:cNvPr id="7" name="文本框 6">
+            <a:extLst>
+              <a:ext uri="{FF2B5EF4-FFF2-40B4-BE49-F238E27FC236}">
+                <a16:creationId xmlns:a16="http://schemas.microsoft.com/office/drawing/2014/main" id="{AD4BE38C-8AD8-5C3C-90C2-926437E9390E}"/>
+              </a:ext>
+            </a:extLst>
+          </p:cNvPr>
+          <p:cNvSpPr txBox="1"/>
+          <p:nvPr/>
+        </p:nvSpPr>
+        <p:spPr>
+          <a:xfrm>
+            <a:off x="718458" y="3081544"/>
+            <a:ext cx="8238930" cy="1200329"/>
+          </a:xfrm>
+          <a:prstGeom prst="rect">
+            <a:avLst/>
+          </a:prstGeom>
+          <a:noFill/>
+        </p:spPr>
+        <p:txBody>
+          <a:bodyPr wrap="square">
+            <a:spAutoFit/>
+          </a:bodyPr>
+          <a:lstStyle/>
+          <a:p>
+            <a:r>
+              <a:rPr lang="zh-CN" altLang="en-US" dirty="0"/>
+              <a:t>探测机制：</a:t>
+            </a:r>
+            <a:endParaRPr lang="en-US" altLang="zh-CN" dirty="0"/>
+          </a:p>
+          <a:p>
+            <a:r>
+              <a:rPr lang="en-US" altLang="zh-CN" dirty="0"/>
+              <a:t>HTTP GET</a:t>
+            </a:r>
+            <a:r>
+              <a:rPr lang="zh-CN" altLang="en-US" dirty="0"/>
+              <a:t>请求</a:t>
+            </a:r>
+            <a:endParaRPr lang="en-US" altLang="zh-CN" dirty="0"/>
+          </a:p>
+          <a:p>
+            <a:r>
+              <a:rPr lang="en-US" altLang="zh-CN" dirty="0"/>
+              <a:t>TCP </a:t>
+            </a:r>
+            <a:r>
+              <a:rPr lang="zh-CN" altLang="en-US" dirty="0"/>
+              <a:t>建立连接</a:t>
+            </a:r>
+            <a:endParaRPr lang="en-US" altLang="zh-CN" dirty="0"/>
+          </a:p>
+          <a:p>
+            <a:r>
+              <a:rPr lang="en-US" altLang="zh-CN" dirty="0"/>
+              <a:t>Exec</a:t>
+            </a:r>
+            <a:r>
+              <a:rPr lang="zh-CN" altLang="en-US" dirty="0"/>
+              <a:t>执行任意命令</a:t>
+            </a:r>
+          </a:p>
+        </p:txBody>
+      </p:sp>
+      <p:sp>
+        <p:nvSpPr>
+          <p:cNvPr id="16" name="文本框 15">
+            <a:extLst>
+              <a:ext uri="{FF2B5EF4-FFF2-40B4-BE49-F238E27FC236}">
+                <a16:creationId xmlns:a16="http://schemas.microsoft.com/office/drawing/2014/main" id="{2ABCEDD1-B967-ACCB-E33F-A7CF2C464794}"/>
+              </a:ext>
+            </a:extLst>
+          </p:cNvPr>
+          <p:cNvSpPr txBox="1"/>
+          <p:nvPr/>
+        </p:nvSpPr>
+        <p:spPr>
+          <a:xfrm>
+            <a:off x="4710113" y="2818791"/>
+            <a:ext cx="5678487" cy="3785652"/>
+          </a:xfrm>
+          <a:prstGeom prst="rect">
+            <a:avLst/>
+          </a:prstGeom>
+          <a:noFill/>
+        </p:spPr>
+        <p:txBody>
+          <a:bodyPr wrap="square">
+            <a:spAutoFit/>
+          </a:bodyPr>
+          <a:lstStyle/>
+          <a:p>
+            <a:r>
+              <a:rPr lang="en-US" altLang="zh-CN" sz="1600" dirty="0" err="1"/>
+              <a:t>livenessProbe</a:t>
+            </a:r>
+            <a:r>
+              <a:rPr lang="en-US" altLang="zh-CN" sz="1600" dirty="0"/>
+              <a:t>:</a:t>
+            </a:r>
+          </a:p>
+          <a:p>
+            <a:r>
+              <a:rPr lang="en-US" altLang="zh-CN" sz="1600" dirty="0"/>
+              <a:t>  </a:t>
+            </a:r>
+            <a:r>
+              <a:rPr lang="en-US" altLang="zh-CN" sz="1600" dirty="0" err="1"/>
+              <a:t>httpGet</a:t>
+            </a:r>
+            <a:r>
+              <a:rPr lang="en-US" altLang="zh-CN" sz="1600" dirty="0"/>
+              <a:t>:</a:t>
+            </a:r>
+          </a:p>
+          <a:p>
+            <a:r>
+              <a:rPr lang="en-US" altLang="zh-CN" sz="1600" dirty="0"/>
+              <a:t>    path: /test</a:t>
+            </a:r>
+          </a:p>
+          <a:p>
+            <a:r>
+              <a:rPr lang="en-US" altLang="zh-CN" sz="1600" dirty="0"/>
+              <a:t>    </a:t>
+            </a:r>
+            <a:r>
+              <a:rPr lang="en-US" altLang="zh-CN" sz="1600" dirty="0" err="1"/>
+              <a:t>prot</a:t>
+            </a:r>
+            <a:r>
+              <a:rPr lang="en-US" altLang="zh-CN" sz="1600" dirty="0"/>
+              <a:t>: 80</a:t>
+            </a:r>
+          </a:p>
+          <a:p>
+            <a:r>
+              <a:rPr lang="en-US" altLang="zh-CN" sz="1600" dirty="0"/>
+              <a:t>  </a:t>
+            </a:r>
+            <a:r>
+              <a:rPr lang="en-US" altLang="zh-CN" sz="1600" dirty="0" err="1"/>
+              <a:t>failureThreshold</a:t>
+            </a:r>
+            <a:r>
+              <a:rPr lang="en-US" altLang="zh-CN" sz="1600" dirty="0"/>
+              <a:t>: 1</a:t>
+            </a:r>
+          </a:p>
+          <a:p>
+            <a:r>
+              <a:rPr lang="en-US" altLang="zh-CN" sz="1600" dirty="0"/>
+              <a:t>  </a:t>
+            </a:r>
+            <a:r>
+              <a:rPr lang="en-US" altLang="zh-CN" sz="1600" dirty="0" err="1"/>
+              <a:t>initialDelay</a:t>
+            </a:r>
+            <a:r>
+              <a:rPr lang="zh-CN" altLang="en-US" sz="1600" dirty="0"/>
+              <a:t>：</a:t>
+            </a:r>
+            <a:r>
+              <a:rPr lang="en-US" altLang="zh-CN" sz="1600" dirty="0"/>
+              <a:t>10</a:t>
+            </a:r>
+          </a:p>
+          <a:p>
+            <a:r>
+              <a:rPr lang="en-US" altLang="zh-CN" sz="1600" dirty="0"/>
+              <a:t>  </a:t>
+            </a:r>
+            <a:r>
+              <a:rPr lang="en-US" altLang="zh-CN" sz="1600" dirty="0" err="1"/>
+              <a:t>periodSeconds</a:t>
+            </a:r>
+            <a:r>
+              <a:rPr lang="en-US" altLang="zh-CN" sz="1600" dirty="0"/>
+              <a:t>: 10</a:t>
+            </a:r>
+          </a:p>
+          <a:p>
+            <a:endParaRPr lang="en-US" altLang="zh-CN" sz="1600" dirty="0"/>
+          </a:p>
+          <a:p>
+            <a:r>
+              <a:rPr lang="en-US" altLang="zh-CN" sz="1600" dirty="0" err="1"/>
+              <a:t>startupProbe</a:t>
+            </a:r>
+            <a:r>
+              <a:rPr lang="en-US" altLang="zh-CN" sz="1600" dirty="0"/>
+              <a:t>:</a:t>
+            </a:r>
+          </a:p>
+          <a:p>
+            <a:r>
+              <a:rPr lang="en-US" altLang="zh-CN" sz="1600" dirty="0"/>
+              <a:t>  </a:t>
+            </a:r>
+            <a:r>
+              <a:rPr lang="en-US" altLang="zh-CN" sz="1600" dirty="0" err="1"/>
+              <a:t>httpGet</a:t>
+            </a:r>
+            <a:r>
+              <a:rPr lang="en-US" altLang="zh-CN" sz="1600" dirty="0"/>
+              <a:t>:</a:t>
+            </a:r>
+          </a:p>
+          <a:p>
+            <a:r>
+              <a:rPr lang="en-US" altLang="zh-CN" sz="1600" dirty="0"/>
+              <a:t>    path: /test</a:t>
+            </a:r>
+          </a:p>
+          <a:p>
+            <a:r>
+              <a:rPr lang="en-US" altLang="zh-CN" sz="1600" dirty="0"/>
+              <a:t>    </a:t>
+            </a:r>
+            <a:r>
+              <a:rPr lang="en-US" altLang="zh-CN" sz="1600" dirty="0" err="1"/>
+              <a:t>prot</a:t>
+            </a:r>
+            <a:r>
+              <a:rPr lang="en-US" altLang="zh-CN" sz="1600" dirty="0"/>
+              <a:t>: 80</a:t>
+            </a:r>
+          </a:p>
+          <a:p>
+            <a:r>
+              <a:rPr lang="en-US" altLang="zh-CN" sz="1600" dirty="0"/>
+              <a:t>  </a:t>
+            </a:r>
+            <a:r>
+              <a:rPr lang="en-US" altLang="zh-CN" sz="1600" dirty="0" err="1"/>
+              <a:t>failureThreshold</a:t>
+            </a:r>
+            <a:r>
+              <a:rPr lang="en-US" altLang="zh-CN" sz="1600" dirty="0"/>
+              <a:t>: 10</a:t>
+            </a:r>
+          </a:p>
+          <a:p>
+            <a:r>
+              <a:rPr lang="en-US" altLang="zh-CN" sz="1600" dirty="0"/>
+              <a:t>  </a:t>
+            </a:r>
+            <a:r>
+              <a:rPr lang="en-US" altLang="zh-CN" sz="1600" dirty="0" err="1"/>
+              <a:t>initialDelay</a:t>
+            </a:r>
+            <a:r>
+              <a:rPr lang="zh-CN" altLang="en-US" sz="1600" dirty="0"/>
+              <a:t>：</a:t>
+            </a:r>
+            <a:r>
+              <a:rPr lang="en-US" altLang="zh-CN" sz="1600" dirty="0"/>
+              <a:t>10</a:t>
+            </a:r>
+          </a:p>
+          <a:p>
+            <a:r>
+              <a:rPr lang="en-US" altLang="zh-CN" sz="1600" dirty="0"/>
+              <a:t>  </a:t>
+            </a:r>
+            <a:r>
+              <a:rPr lang="en-US" altLang="zh-CN" sz="1600" dirty="0" err="1"/>
+              <a:t>periodSeconds</a:t>
+            </a:r>
+            <a:r>
+              <a:rPr lang="en-US" altLang="zh-CN" sz="1600" dirty="0"/>
+              <a:t>: 10</a:t>
+            </a:r>
+            <a:endParaRPr lang="zh-CN" altLang="en-US" sz="1600" dirty="0"/>
+          </a:p>
+        </p:txBody>
+      </p:sp>
+    </p:spTree>
+    <p:extLst>
+      <p:ext uri="{BB962C8B-B14F-4D97-AF65-F5344CB8AC3E}">
+        <p14:creationId xmlns:p14="http://schemas.microsoft.com/office/powerpoint/2010/main" val="1050402237"/>
+      </p:ext>
+    </p:extLst>
+  </p:cSld>
+  <p:clrMapOvr>
+    <a:masterClrMapping/>
+  </p:clrMapOvr>
+</p:sld>
+</file>
+
+<file path=ppt/slides/slide14.xml><?xml version="1.0" encoding="utf-8"?>
+<p:sld xmlns:a="http://schemas.openxmlformats.org/drawingml/2006/main" xmlns:r="http://schemas.openxmlformats.org/officeDocument/2006/relationships" xmlns:p="http://schemas.openxmlformats.org/presentationml/2006/main">
+  <p:cSld>
+    <p:spTree>
+      <p:nvGrpSpPr>
+        <p:cNvPr id="1" name=""/>
+        <p:cNvGrpSpPr/>
+        <p:nvPr/>
+      </p:nvGrpSpPr>
+      <p:grpSpPr>
+        <a:xfrm>
+          <a:off x="0" y="0"/>
+          <a:ext cx="0" cy="0"/>
+          <a:chOff x="0" y="0"/>
+          <a:chExt cx="0" cy="0"/>
+        </a:xfrm>
+      </p:grpSpPr>
+      <p:pic>
+        <p:nvPicPr>
+          <p:cNvPr id="5" name="图片 4">
+            <a:extLst>
+              <a:ext uri="{FF2B5EF4-FFF2-40B4-BE49-F238E27FC236}">
+                <a16:creationId xmlns:a16="http://schemas.microsoft.com/office/drawing/2014/main" id="{5141A3C3-D380-6E07-DD33-53DB43FD7A75}"/>
+              </a:ext>
+            </a:extLst>
+          </p:cNvPr>
+          <p:cNvPicPr>
+            <a:picLocks noChangeAspect="1"/>
+          </p:cNvPicPr>
+          <p:nvPr/>
+        </p:nvPicPr>
+        <p:blipFill>
+          <a:blip r:embed="rId2"/>
+          <a:stretch>
+            <a:fillRect/>
+          </a:stretch>
+        </p:blipFill>
+        <p:spPr>
+          <a:xfrm>
+            <a:off x="5372665" y="105195"/>
+            <a:ext cx="6165286" cy="4591447"/>
+          </a:xfrm>
+          <a:prstGeom prst="rect">
+            <a:avLst/>
+          </a:prstGeom>
+        </p:spPr>
+      </p:pic>
+      <p:sp>
+        <p:nvSpPr>
+          <p:cNvPr id="9" name="文本框 8">
+            <a:extLst>
+              <a:ext uri="{FF2B5EF4-FFF2-40B4-BE49-F238E27FC236}">
+                <a16:creationId xmlns:a16="http://schemas.microsoft.com/office/drawing/2014/main" id="{01A88732-B2C1-7CB2-82DA-F410689D8D1A}"/>
+              </a:ext>
+            </a:extLst>
+          </p:cNvPr>
+          <p:cNvSpPr txBox="1"/>
+          <p:nvPr/>
+        </p:nvSpPr>
+        <p:spPr>
+          <a:xfrm>
+            <a:off x="114300" y="993686"/>
+            <a:ext cx="5200650" cy="1477328"/>
+          </a:xfrm>
+          <a:prstGeom prst="rect">
+            <a:avLst/>
+          </a:prstGeom>
+          <a:noFill/>
+        </p:spPr>
+        <p:txBody>
+          <a:bodyPr wrap="square">
+            <a:spAutoFit/>
+          </a:bodyPr>
+          <a:lstStyle/>
+          <a:p>
+            <a:r>
+              <a:rPr lang="en-US" altLang="zh-CN" dirty="0" err="1"/>
+              <a:t>ReplicationController</a:t>
+            </a:r>
+            <a:r>
+              <a:rPr lang="zh-CN" altLang="en-US" dirty="0"/>
+              <a:t>会持续监控正在运行的</a:t>
+            </a:r>
+            <a:r>
+              <a:rPr lang="en-US" altLang="zh-CN" dirty="0"/>
+              <a:t>pod</a:t>
+            </a:r>
+            <a:r>
+              <a:rPr lang="zh-CN" altLang="en-US" dirty="0"/>
+              <a:t>列表，并保证相应”类型”的</a:t>
+            </a:r>
+            <a:r>
+              <a:rPr lang="en-US" altLang="zh-CN" dirty="0"/>
+              <a:t>pod</a:t>
+            </a:r>
+            <a:r>
+              <a:rPr lang="zh-CN" altLang="en-US" dirty="0"/>
+              <a:t>的数目与期望相符。 如果正在运行的</a:t>
+            </a:r>
+            <a:r>
+              <a:rPr lang="en-US" altLang="zh-CN" dirty="0"/>
+              <a:t>pod</a:t>
+            </a:r>
+            <a:r>
+              <a:rPr lang="zh-CN" altLang="en-US" dirty="0"/>
+              <a:t>太少，它会根据</a:t>
+            </a:r>
+            <a:r>
+              <a:rPr lang="en-US" altLang="zh-CN" dirty="0"/>
+              <a:t>pod</a:t>
+            </a:r>
+            <a:r>
+              <a:rPr lang="zh-CN" altLang="en-US" dirty="0"/>
+              <a:t>模板创建新的副本。 如正在运行的</a:t>
+            </a:r>
+            <a:r>
+              <a:rPr lang="en-US" altLang="zh-CN" dirty="0"/>
+              <a:t>pod</a:t>
+            </a:r>
+            <a:r>
+              <a:rPr lang="zh-CN" altLang="en-US" dirty="0"/>
+              <a:t>太多，它将删除多余的副本。</a:t>
+            </a:r>
+          </a:p>
+        </p:txBody>
+      </p:sp>
+      <p:sp>
+        <p:nvSpPr>
+          <p:cNvPr id="11" name="文本框 10">
+            <a:extLst>
+              <a:ext uri="{FF2B5EF4-FFF2-40B4-BE49-F238E27FC236}">
+                <a16:creationId xmlns:a16="http://schemas.microsoft.com/office/drawing/2014/main" id="{40048DA0-90D8-CED3-DF90-1D305D224FC2}"/>
+              </a:ext>
+            </a:extLst>
+          </p:cNvPr>
+          <p:cNvSpPr txBox="1"/>
+          <p:nvPr/>
+        </p:nvSpPr>
+        <p:spPr>
+          <a:xfrm>
+            <a:off x="114300" y="323334"/>
+            <a:ext cx="2508250" cy="369332"/>
+          </a:xfrm>
+          <a:prstGeom prst="rect">
+            <a:avLst/>
+          </a:prstGeom>
+          <a:noFill/>
+        </p:spPr>
+        <p:txBody>
+          <a:bodyPr wrap="square">
+            <a:spAutoFit/>
+          </a:bodyPr>
+          <a:lstStyle/>
+          <a:p>
+            <a:r>
+              <a:rPr lang="en-US" altLang="zh-CN" dirty="0" err="1"/>
+              <a:t>ReplicationController</a:t>
+            </a:r>
+            <a:endParaRPr lang="zh-CN" altLang="en-US" dirty="0"/>
+          </a:p>
+        </p:txBody>
+      </p:sp>
+      <p:pic>
+        <p:nvPicPr>
+          <p:cNvPr id="13" name="图片 12">
+            <a:extLst>
+              <a:ext uri="{FF2B5EF4-FFF2-40B4-BE49-F238E27FC236}">
+                <a16:creationId xmlns:a16="http://schemas.microsoft.com/office/drawing/2014/main" id="{DDD574DF-3A63-1E60-1705-DD8727FF2E97}"/>
+              </a:ext>
+            </a:extLst>
+          </p:cNvPr>
+          <p:cNvPicPr>
+            <a:picLocks noChangeAspect="1"/>
+          </p:cNvPicPr>
+          <p:nvPr/>
+        </p:nvPicPr>
+        <p:blipFill>
+          <a:blip r:embed="rId3"/>
+          <a:stretch>
+            <a:fillRect/>
+          </a:stretch>
+        </p:blipFill>
+        <p:spPr>
+          <a:xfrm>
+            <a:off x="784455" y="2871969"/>
+            <a:ext cx="3676190" cy="2904762"/>
+          </a:xfrm>
+          <a:prstGeom prst="rect">
+            <a:avLst/>
+          </a:prstGeom>
+        </p:spPr>
+      </p:pic>
+    </p:spTree>
+    <p:extLst>
+      <p:ext uri="{BB962C8B-B14F-4D97-AF65-F5344CB8AC3E}">
+        <p14:creationId xmlns:p14="http://schemas.microsoft.com/office/powerpoint/2010/main" val="4150906761"/>
+      </p:ext>
+    </p:extLst>
+  </p:cSld>
+  <p:clrMapOvr>
+    <a:masterClrMapping/>
+  </p:clrMapOvr>
+</p:sld>
+</file>
+
+<file path=ppt/slides/slide15.xml><?xml version="1.0" encoding="utf-8"?>
+<p:sld xmlns:a="http://schemas.openxmlformats.org/drawingml/2006/main" xmlns:r="http://schemas.openxmlformats.org/officeDocument/2006/relationships" xmlns:p="http://schemas.openxmlformats.org/presentationml/2006/main">
+  <p:cSld>
+    <p:spTree>
+      <p:nvGrpSpPr>
+        <p:cNvPr id="1" name=""/>
+        <p:cNvGrpSpPr/>
+        <p:nvPr/>
+      </p:nvGrpSpPr>
+      <p:grpSpPr>
+        <a:xfrm>
+          <a:off x="0" y="0"/>
+          <a:ext cx="0" cy="0"/>
+          <a:chOff x="0" y="0"/>
+          <a:chExt cx="0" cy="0"/>
+        </a:xfrm>
+      </p:grpSpPr>
+      <p:pic>
+        <p:nvPicPr>
+          <p:cNvPr id="3" name="图片 2">
+            <a:extLst>
+              <a:ext uri="{FF2B5EF4-FFF2-40B4-BE49-F238E27FC236}">
+                <a16:creationId xmlns:a16="http://schemas.microsoft.com/office/drawing/2014/main" id="{0F821342-01B8-745F-CFB3-A34185E879D9}"/>
+              </a:ext>
+            </a:extLst>
+          </p:cNvPr>
+          <p:cNvPicPr>
+            <a:picLocks noChangeAspect="1"/>
+          </p:cNvPicPr>
+          <p:nvPr/>
+        </p:nvPicPr>
+        <p:blipFill>
+          <a:blip r:embed="rId2"/>
+          <a:stretch>
+            <a:fillRect/>
+          </a:stretch>
+        </p:blipFill>
+        <p:spPr>
+          <a:xfrm>
+            <a:off x="6461125" y="89855"/>
+            <a:ext cx="4632325" cy="2943803"/>
+          </a:xfrm>
+          <a:prstGeom prst="rect">
+            <a:avLst/>
+          </a:prstGeom>
+        </p:spPr>
+      </p:pic>
+      <p:sp>
+        <p:nvSpPr>
+          <p:cNvPr id="4" name="文本框 3">
+            <a:extLst>
+              <a:ext uri="{FF2B5EF4-FFF2-40B4-BE49-F238E27FC236}">
+                <a16:creationId xmlns:a16="http://schemas.microsoft.com/office/drawing/2014/main" id="{B5349347-B023-D435-ABB4-EBE3EB0FD296}"/>
+              </a:ext>
+            </a:extLst>
+          </p:cNvPr>
+          <p:cNvSpPr txBox="1"/>
+          <p:nvPr/>
+        </p:nvSpPr>
+        <p:spPr>
+          <a:xfrm>
+            <a:off x="276225" y="297934"/>
+            <a:ext cx="2508250" cy="369332"/>
+          </a:xfrm>
+          <a:prstGeom prst="rect">
+            <a:avLst/>
+          </a:prstGeom>
+          <a:noFill/>
+        </p:spPr>
+        <p:txBody>
+          <a:bodyPr wrap="square">
+            <a:spAutoFit/>
+          </a:bodyPr>
+          <a:lstStyle/>
+          <a:p>
+            <a:r>
+              <a:rPr lang="en-US" altLang="zh-CN"/>
+              <a:t>ReplicationController</a:t>
+            </a:r>
+            <a:endParaRPr lang="zh-CN" altLang="en-US" dirty="0"/>
+          </a:p>
+        </p:txBody>
+      </p:sp>
+      <p:sp>
+        <p:nvSpPr>
+          <p:cNvPr id="6" name="文本框 5">
+            <a:extLst>
+              <a:ext uri="{FF2B5EF4-FFF2-40B4-BE49-F238E27FC236}">
+                <a16:creationId xmlns:a16="http://schemas.microsoft.com/office/drawing/2014/main" id="{133D468C-AFF5-C71C-9DBD-0590987CA7FF}"/>
+              </a:ext>
+            </a:extLst>
+          </p:cNvPr>
+          <p:cNvSpPr txBox="1"/>
+          <p:nvPr/>
+        </p:nvSpPr>
+        <p:spPr>
+          <a:xfrm>
+            <a:off x="231774" y="1034535"/>
+            <a:ext cx="4822825" cy="369332"/>
+          </a:xfrm>
+          <a:prstGeom prst="rect">
+            <a:avLst/>
+          </a:prstGeom>
+          <a:noFill/>
+        </p:spPr>
+        <p:txBody>
+          <a:bodyPr wrap="square">
+            <a:spAutoFit/>
+          </a:bodyPr>
+          <a:lstStyle/>
+          <a:p>
+            <a:r>
+              <a:rPr lang="zh-CN" altLang="en-US" dirty="0"/>
+              <a:t>标签选择器，副本数量，模板可以随意更改</a:t>
+            </a:r>
+          </a:p>
+        </p:txBody>
+      </p:sp>
+      <p:sp>
+        <p:nvSpPr>
+          <p:cNvPr id="7" name="文本框 6">
+            <a:extLst>
+              <a:ext uri="{FF2B5EF4-FFF2-40B4-BE49-F238E27FC236}">
+                <a16:creationId xmlns:a16="http://schemas.microsoft.com/office/drawing/2014/main" id="{B54B3AE0-4719-90A8-D26F-8E4795730E26}"/>
+              </a:ext>
+            </a:extLst>
+          </p:cNvPr>
+          <p:cNvSpPr txBox="1"/>
+          <p:nvPr/>
+        </p:nvSpPr>
+        <p:spPr>
+          <a:xfrm>
+            <a:off x="276225" y="1726561"/>
+            <a:ext cx="3413125" cy="369332"/>
+          </a:xfrm>
+          <a:prstGeom prst="rect">
+            <a:avLst/>
+          </a:prstGeom>
+          <a:noFill/>
+        </p:spPr>
+        <p:txBody>
+          <a:bodyPr wrap="square">
+            <a:spAutoFit/>
+          </a:bodyPr>
+          <a:lstStyle/>
+          <a:p>
+            <a:r>
+              <a:rPr lang="zh-CN" altLang="en-US" dirty="0"/>
+              <a:t>因此可以实现</a:t>
+            </a:r>
+            <a:r>
+              <a:rPr lang="en-US" altLang="zh-CN" dirty="0"/>
+              <a:t>pod</a:t>
+            </a:r>
+            <a:r>
+              <a:rPr lang="zh-CN" altLang="en-US" dirty="0"/>
+              <a:t>的水平伸缩</a:t>
+            </a:r>
+          </a:p>
+        </p:txBody>
+      </p:sp>
+      <p:pic>
+        <p:nvPicPr>
+          <p:cNvPr id="10" name="图片 9">
+            <a:extLst>
+              <a:ext uri="{FF2B5EF4-FFF2-40B4-BE49-F238E27FC236}">
+                <a16:creationId xmlns:a16="http://schemas.microsoft.com/office/drawing/2014/main" id="{B9D9CF92-5F9B-A3EC-5406-1B1C062059ED}"/>
+              </a:ext>
+            </a:extLst>
+          </p:cNvPr>
+          <p:cNvPicPr>
+            <a:picLocks noChangeAspect="1"/>
+          </p:cNvPicPr>
+          <p:nvPr/>
+        </p:nvPicPr>
+        <p:blipFill>
+          <a:blip r:embed="rId3"/>
+          <a:stretch>
+            <a:fillRect/>
+          </a:stretch>
+        </p:blipFill>
+        <p:spPr>
+          <a:xfrm>
+            <a:off x="375245" y="3541018"/>
+            <a:ext cx="9523809" cy="3019048"/>
+          </a:xfrm>
+          <a:prstGeom prst="rect">
+            <a:avLst/>
+          </a:prstGeom>
+        </p:spPr>
+      </p:pic>
+    </p:spTree>
+    <p:extLst>
+      <p:ext uri="{BB962C8B-B14F-4D97-AF65-F5344CB8AC3E}">
+        <p14:creationId xmlns:p14="http://schemas.microsoft.com/office/powerpoint/2010/main" val="1969084997"/>
+      </p:ext>
+    </p:extLst>
+  </p:cSld>
+  <p:clrMapOvr>
+    <a:masterClrMapping/>
+  </p:clrMapOvr>
+</p:sld>
+</file>
+
+<file path=ppt/slides/slide16.xml><?xml version="1.0" encoding="utf-8"?>
+<p:sld xmlns:a="http://schemas.openxmlformats.org/drawingml/2006/main" xmlns:r="http://schemas.openxmlformats.org/officeDocument/2006/relationships" xmlns:p="http://schemas.openxmlformats.org/presentationml/2006/main">
+  <p:cSld>
+    <p:spTree>
+      <p:nvGrpSpPr>
+        <p:cNvPr id="1" name=""/>
+        <p:cNvGrpSpPr/>
+        <p:nvPr/>
+      </p:nvGrpSpPr>
+      <p:grpSpPr>
+        <a:xfrm>
+          <a:off x="0" y="0"/>
+          <a:ext cx="0" cy="0"/>
+          <a:chOff x="0" y="0"/>
+          <a:chExt cx="0" cy="0"/>
+        </a:xfrm>
+      </p:grpSpPr>
+      <p:sp>
+        <p:nvSpPr>
+          <p:cNvPr id="5" name="文本框 4">
+            <a:extLst>
+              <a:ext uri="{FF2B5EF4-FFF2-40B4-BE49-F238E27FC236}">
+                <a16:creationId xmlns:a16="http://schemas.microsoft.com/office/drawing/2014/main" id="{D200A900-1001-CC34-876A-D0D8EDCBA473}"/>
+              </a:ext>
+            </a:extLst>
+          </p:cNvPr>
+          <p:cNvSpPr txBox="1"/>
+          <p:nvPr/>
+        </p:nvSpPr>
+        <p:spPr>
+          <a:xfrm>
+            <a:off x="749300" y="704334"/>
+            <a:ext cx="6096000" cy="369332"/>
+          </a:xfrm>
+          <a:prstGeom prst="rect">
+            <a:avLst/>
+          </a:prstGeom>
+          <a:noFill/>
+        </p:spPr>
+        <p:txBody>
+          <a:bodyPr wrap="square">
+            <a:spAutoFit/>
+          </a:bodyPr>
+          <a:lstStyle/>
+          <a:p>
+            <a:r>
+              <a:rPr lang="en-US" altLang="zh-CN" dirty="0" err="1"/>
+              <a:t>ReplicaSet</a:t>
+            </a:r>
+            <a:r>
+              <a:rPr lang="zh-CN" altLang="en-US" dirty="0"/>
+              <a:t>和</a:t>
+            </a:r>
+            <a:r>
+              <a:rPr lang="en-US" altLang="zh-CN" dirty="0" err="1"/>
+              <a:t>ReplicationController</a:t>
+            </a:r>
+            <a:r>
+              <a:rPr lang="zh-CN" altLang="en-US" dirty="0"/>
+              <a:t>的区别</a:t>
+            </a:r>
+          </a:p>
+        </p:txBody>
+      </p:sp>
+      <p:sp>
+        <p:nvSpPr>
+          <p:cNvPr id="8" name="文本框 7">
+            <a:extLst>
+              <a:ext uri="{FF2B5EF4-FFF2-40B4-BE49-F238E27FC236}">
+                <a16:creationId xmlns:a16="http://schemas.microsoft.com/office/drawing/2014/main" id="{04453526-338D-2393-3A9B-2400A1BE022C}"/>
+              </a:ext>
+            </a:extLst>
+          </p:cNvPr>
+          <p:cNvSpPr txBox="1"/>
+          <p:nvPr/>
+        </p:nvSpPr>
+        <p:spPr>
+          <a:xfrm>
+            <a:off x="749300" y="1555235"/>
+            <a:ext cx="6546850" cy="646331"/>
+          </a:xfrm>
+          <a:prstGeom prst="rect">
+            <a:avLst/>
+          </a:prstGeom>
+          <a:noFill/>
+        </p:spPr>
+        <p:txBody>
+          <a:bodyPr wrap="square">
+            <a:spAutoFit/>
+          </a:bodyPr>
+          <a:lstStyle/>
+          <a:p>
+            <a:r>
+              <a:rPr lang="zh-CN" altLang="en-US" dirty="0"/>
+              <a:t>两者行为完全相同，</a:t>
+            </a:r>
+            <a:r>
+              <a:rPr lang="en-US" altLang="zh-CN" dirty="0" err="1"/>
+              <a:t>ReplicaSet</a:t>
+            </a:r>
+            <a:r>
+              <a:rPr lang="zh-CN" altLang="en-US" dirty="0"/>
+              <a:t>的标签选择器更强，支持集合式的</a:t>
+            </a:r>
+            <a:r>
+              <a:rPr lang="en-US" altLang="zh-CN" dirty="0"/>
+              <a:t>selector</a:t>
+            </a:r>
+            <a:r>
+              <a:rPr lang="zh-CN" altLang="en-US" dirty="0"/>
+              <a:t>。</a:t>
+            </a:r>
+          </a:p>
+        </p:txBody>
+      </p:sp>
+    </p:spTree>
+    <p:extLst>
+      <p:ext uri="{BB962C8B-B14F-4D97-AF65-F5344CB8AC3E}">
+        <p14:creationId xmlns:p14="http://schemas.microsoft.com/office/powerpoint/2010/main" val="1830826721"/>
+      </p:ext>
+    </p:extLst>
+  </p:cSld>
+  <p:clrMapOvr>
+    <a:masterClrMapping/>
+  </p:clrMapOvr>
+</p:sld>
+</file>
+
+<file path=ppt/slides/slide17.xml><?xml version="1.0" encoding="utf-8"?>
+<p:sld xmlns:a="http://schemas.openxmlformats.org/drawingml/2006/main" xmlns:r="http://schemas.openxmlformats.org/officeDocument/2006/relationships" xmlns:p="http://schemas.openxmlformats.org/presentationml/2006/main">
+  <p:cSld>
+    <p:spTree>
+      <p:nvGrpSpPr>
+        <p:cNvPr id="1" name=""/>
+        <p:cNvGrpSpPr/>
+        <p:nvPr/>
+      </p:nvGrpSpPr>
+      <p:grpSpPr>
+        <a:xfrm>
+          <a:off x="0" y="0"/>
+          <a:ext cx="0" cy="0"/>
+          <a:chOff x="0" y="0"/>
+          <a:chExt cx="0" cy="0"/>
+        </a:xfrm>
+      </p:grpSpPr>
+      <p:sp>
+        <p:nvSpPr>
+          <p:cNvPr id="3" name="文本框 2">
+            <a:extLst>
+              <a:ext uri="{FF2B5EF4-FFF2-40B4-BE49-F238E27FC236}">
+                <a16:creationId xmlns:a16="http://schemas.microsoft.com/office/drawing/2014/main" id="{77F17439-5C33-7493-AF9E-1F87A6F76370}"/>
+              </a:ext>
+            </a:extLst>
+          </p:cNvPr>
+          <p:cNvSpPr txBox="1"/>
+          <p:nvPr/>
+        </p:nvSpPr>
+        <p:spPr>
+          <a:xfrm>
+            <a:off x="495300" y="469251"/>
+            <a:ext cx="6096000" cy="369332"/>
+          </a:xfrm>
+          <a:prstGeom prst="rect">
+            <a:avLst/>
+          </a:prstGeom>
+          <a:noFill/>
+        </p:spPr>
+        <p:txBody>
+          <a:bodyPr wrap="square">
+            <a:spAutoFit/>
+          </a:bodyPr>
+          <a:lstStyle/>
+          <a:p>
+            <a:r>
+              <a:rPr lang="en-US" altLang="zh-CN" dirty="0" err="1"/>
+              <a:t>DaemonSet</a:t>
+            </a:r>
+            <a:endParaRPr lang="zh-CN" altLang="en-US" dirty="0"/>
+          </a:p>
+        </p:txBody>
+      </p:sp>
+      <p:sp>
+        <p:nvSpPr>
+          <p:cNvPr id="4" name="文本框 3">
+            <a:extLst>
+              <a:ext uri="{FF2B5EF4-FFF2-40B4-BE49-F238E27FC236}">
+                <a16:creationId xmlns:a16="http://schemas.microsoft.com/office/drawing/2014/main" id="{644FAAD7-5472-E588-EFF6-9E7D0E2F6B54}"/>
+              </a:ext>
+            </a:extLst>
+          </p:cNvPr>
+          <p:cNvSpPr txBox="1"/>
+          <p:nvPr/>
+        </p:nvSpPr>
+        <p:spPr>
+          <a:xfrm>
+            <a:off x="495300" y="1624145"/>
+            <a:ext cx="6096000" cy="369332"/>
+          </a:xfrm>
+          <a:prstGeom prst="rect">
+            <a:avLst/>
+          </a:prstGeom>
+          <a:noFill/>
+        </p:spPr>
+        <p:txBody>
+          <a:bodyPr wrap="square">
+            <a:spAutoFit/>
+          </a:bodyPr>
+          <a:lstStyle/>
+          <a:p>
+            <a:r>
+              <a:rPr lang="zh-CN" altLang="en-US" dirty="0"/>
+              <a:t>在每个节点上运行一个</a:t>
+            </a:r>
+            <a:r>
+              <a:rPr lang="en-US" altLang="zh-CN" dirty="0"/>
+              <a:t>pod</a:t>
+            </a:r>
+            <a:endParaRPr lang="zh-CN" altLang="en-US" dirty="0"/>
+          </a:p>
+        </p:txBody>
+      </p:sp>
+      <p:pic>
+        <p:nvPicPr>
+          <p:cNvPr id="7" name="图片 6">
+            <a:extLst>
+              <a:ext uri="{FF2B5EF4-FFF2-40B4-BE49-F238E27FC236}">
+                <a16:creationId xmlns:a16="http://schemas.microsoft.com/office/drawing/2014/main" id="{399BD2F7-B1DD-1EB0-9120-F4082A6C8002}"/>
+              </a:ext>
+            </a:extLst>
+          </p:cNvPr>
+          <p:cNvPicPr>
+            <a:picLocks noChangeAspect="1"/>
+          </p:cNvPicPr>
+          <p:nvPr/>
+        </p:nvPicPr>
+        <p:blipFill>
+          <a:blip r:embed="rId2"/>
+          <a:stretch>
+            <a:fillRect/>
+          </a:stretch>
+        </p:blipFill>
+        <p:spPr>
+          <a:xfrm>
+            <a:off x="5259994" y="85006"/>
+            <a:ext cx="4990593" cy="3373921"/>
+          </a:xfrm>
+          <a:prstGeom prst="rect">
+            <a:avLst/>
+          </a:prstGeom>
+        </p:spPr>
+      </p:pic>
+      <p:pic>
+        <p:nvPicPr>
+          <p:cNvPr id="10" name="图片 9">
+            <a:extLst>
+              <a:ext uri="{FF2B5EF4-FFF2-40B4-BE49-F238E27FC236}">
+                <a16:creationId xmlns:a16="http://schemas.microsoft.com/office/drawing/2014/main" id="{82133E3C-375D-5023-E856-EEA012285FEC}"/>
+              </a:ext>
+            </a:extLst>
+          </p:cNvPr>
+          <p:cNvPicPr>
+            <a:picLocks noChangeAspect="1"/>
+          </p:cNvPicPr>
+          <p:nvPr/>
+        </p:nvPicPr>
+        <p:blipFill>
+          <a:blip r:embed="rId3"/>
+          <a:stretch>
+            <a:fillRect/>
+          </a:stretch>
+        </p:blipFill>
+        <p:spPr>
+          <a:xfrm>
+            <a:off x="5115272" y="3800795"/>
+            <a:ext cx="5362872" cy="2702315"/>
+          </a:xfrm>
+          <a:prstGeom prst="rect">
+            <a:avLst/>
+          </a:prstGeom>
+        </p:spPr>
+      </p:pic>
+      <p:sp>
+        <p:nvSpPr>
+          <p:cNvPr id="11" name="文本框 10">
+            <a:extLst>
+              <a:ext uri="{FF2B5EF4-FFF2-40B4-BE49-F238E27FC236}">
+                <a16:creationId xmlns:a16="http://schemas.microsoft.com/office/drawing/2014/main" id="{60D49B57-4A8D-EF6B-DCCA-D6F3ABD41EFB}"/>
+              </a:ext>
+            </a:extLst>
+          </p:cNvPr>
+          <p:cNvSpPr txBox="1"/>
+          <p:nvPr/>
+        </p:nvSpPr>
+        <p:spPr>
+          <a:xfrm>
+            <a:off x="495300" y="4028608"/>
+            <a:ext cx="4319687" cy="923330"/>
+          </a:xfrm>
+          <a:prstGeom prst="rect">
+            <a:avLst/>
+          </a:prstGeom>
+          <a:noFill/>
+        </p:spPr>
+        <p:txBody>
+          <a:bodyPr wrap="square">
+            <a:spAutoFit/>
+          </a:bodyPr>
+          <a:lstStyle/>
+          <a:p>
+            <a:r>
+              <a:rPr lang="zh-CN" altLang="en-US" dirty="0"/>
+              <a:t>也可通过节点选择器在特定标签的节点上部署</a:t>
+            </a:r>
+            <a:r>
+              <a:rPr lang="en-US" altLang="zh-CN" dirty="0"/>
+              <a:t>pod</a:t>
+            </a:r>
+            <a:r>
+              <a:rPr lang="zh-CN" altLang="en-US" dirty="0"/>
+              <a:t>，</a:t>
+            </a:r>
+            <a:r>
+              <a:rPr lang="en-US" altLang="zh-CN" dirty="0" err="1"/>
+              <a:t>DaemonSet</a:t>
+            </a:r>
+            <a:r>
+              <a:rPr lang="zh-CN" altLang="en-US" dirty="0"/>
+              <a:t>管理的</a:t>
+            </a:r>
+            <a:r>
+              <a:rPr lang="en-US" altLang="zh-CN" dirty="0"/>
+              <a:t>pod</a:t>
+            </a:r>
+            <a:r>
+              <a:rPr lang="zh-CN" altLang="en-US" dirty="0"/>
+              <a:t>完全绕过调度器，忽略节点无法调度的属性</a:t>
+            </a:r>
+          </a:p>
+        </p:txBody>
+      </p:sp>
+    </p:spTree>
+    <p:extLst>
+      <p:ext uri="{BB962C8B-B14F-4D97-AF65-F5344CB8AC3E}">
+        <p14:creationId xmlns:p14="http://schemas.microsoft.com/office/powerpoint/2010/main" val="3823597283"/>
+      </p:ext>
+    </p:extLst>
+  </p:cSld>
+  <p:clrMapOvr>
+    <a:masterClrMapping/>
+  </p:clrMapOvr>
+</p:sld>
+</file>
+
 <file path=ppt/slides/slide2.xml><?xml version="1.0" encoding="utf-8"?>
 <p:sld xmlns:a="http://schemas.openxmlformats.org/drawingml/2006/main" xmlns:r="http://schemas.openxmlformats.org/officeDocument/2006/relationships" xmlns:p="http://schemas.openxmlformats.org/presentationml/2006/main">
   <p:cSld>
@@ -4161,8 +5874,8 @@
               <a:t>是</a:t>
             </a:r>
             <a:r>
-              <a:rPr lang="en-US" altLang="zh-CN" dirty="0" err="1"/>
-              <a:t>Kubemetes</a:t>
+              <a:rPr lang="en-US" altLang="zh-CN" dirty="0"/>
+              <a:t>K8s</a:t>
             </a:r>
             <a:r>
               <a:rPr lang="zh-CN" altLang="en-US" dirty="0"/>
@@ -4199,8 +5912,8 @@
               <a:t>是一组并置的容器， 代表了</a:t>
             </a:r>
             <a:r>
-              <a:rPr lang="en-US" altLang="zh-CN" dirty="0" err="1"/>
-              <a:t>Kubemetes</a:t>
+              <a:rPr lang="en-US" altLang="zh-CN" dirty="0"/>
+              <a:t>K8s</a:t>
             </a:r>
             <a:r>
               <a:rPr lang="zh-CN" altLang="en-US" dirty="0"/>
